--- a/Project2_Proposal.pptx
+++ b/Project2_Proposal.pptx
@@ -13,7 +13,6 @@
     <p:sldId id="260" r:id="rId7"/>
     <p:sldId id="262" r:id="rId8"/>
     <p:sldId id="263" r:id="rId9"/>
-    <p:sldId id="264" r:id="rId10"/>
   </p:sldIdLst>
   <p:sldSz cx="12192000" cy="6858000"/>
   <p:notesSz cx="6858000" cy="9144000"/>
@@ -112,6 +111,11 @@
       </a:defRPr>
     </a:lvl9pPr>
   </p:defaultTextStyle>
+  <p:extLst>
+    <p:ext uri="{EFAFB233-063F-42B5-8137-9DF3F51BA10A}">
+      <p15:sldGuideLst xmlns:p15="http://schemas.microsoft.com/office/powerpoint/2012/main"/>
+    </p:ext>
+  </p:extLst>
 </p:presentation>
 </file>
 
@@ -301,7 +305,7 @@
           <a:p>
             <a:fld id="{4193E052-A046-4143-8241-59B58FEA1B20}" type="datetimeFigureOut">
               <a:rPr lang="en-US" smtClean="0"/>
-              <a:t>6/7/2022</a:t>
+              <a:t>6/11/2022</a:t>
             </a:fld>
             <a:endParaRPr lang="en-US"/>
           </a:p>
@@ -576,7 +580,7 @@
           <a:p>
             <a:fld id="{4193E052-A046-4143-8241-59B58FEA1B20}" type="datetimeFigureOut">
               <a:rPr lang="en-US" smtClean="0"/>
-              <a:t>6/7/2022</a:t>
+              <a:t>6/11/2022</a:t>
             </a:fld>
             <a:endParaRPr lang="en-US"/>
           </a:p>
@@ -770,7 +774,7 @@
           <a:p>
             <a:fld id="{4193E052-A046-4143-8241-59B58FEA1B20}" type="datetimeFigureOut">
               <a:rPr lang="en-US" smtClean="0"/>
-              <a:t>6/7/2022</a:t>
+              <a:t>6/11/2022</a:t>
             </a:fld>
             <a:endParaRPr lang="en-US"/>
           </a:p>
@@ -1043,7 +1047,7 @@
           <a:p>
             <a:fld id="{4193E052-A046-4143-8241-59B58FEA1B20}" type="datetimeFigureOut">
               <a:rPr lang="en-US" smtClean="0"/>
-              <a:t>6/7/2022</a:t>
+              <a:t>6/11/2022</a:t>
             </a:fld>
             <a:endParaRPr lang="en-US"/>
           </a:p>
@@ -1384,7 +1388,7 @@
           <a:p>
             <a:fld id="{4193E052-A046-4143-8241-59B58FEA1B20}" type="datetimeFigureOut">
               <a:rPr lang="en-US" smtClean="0"/>
-              <a:t>6/7/2022</a:t>
+              <a:t>6/11/2022</a:t>
             </a:fld>
             <a:endParaRPr lang="en-US"/>
           </a:p>
@@ -2007,7 +2011,7 @@
           <a:p>
             <a:fld id="{4193E052-A046-4143-8241-59B58FEA1B20}" type="datetimeFigureOut">
               <a:rPr lang="en-US" smtClean="0"/>
-              <a:t>6/7/2022</a:t>
+              <a:t>6/11/2022</a:t>
             </a:fld>
             <a:endParaRPr lang="en-US"/>
           </a:p>
@@ -2867,7 +2871,7 @@
           <a:p>
             <a:fld id="{4193E052-A046-4143-8241-59B58FEA1B20}" type="datetimeFigureOut">
               <a:rPr lang="en-US" smtClean="0"/>
-              <a:t>6/7/2022</a:t>
+              <a:t>6/11/2022</a:t>
             </a:fld>
             <a:endParaRPr lang="en-US"/>
           </a:p>
@@ -3037,7 +3041,7 @@
           <a:p>
             <a:fld id="{4193E052-A046-4143-8241-59B58FEA1B20}" type="datetimeFigureOut">
               <a:rPr lang="en-US" smtClean="0"/>
-              <a:t>6/7/2022</a:t>
+              <a:t>6/11/2022</a:t>
             </a:fld>
             <a:endParaRPr lang="en-US"/>
           </a:p>
@@ -3217,7 +3221,7 @@
           <a:p>
             <a:fld id="{4193E052-A046-4143-8241-59B58FEA1B20}" type="datetimeFigureOut">
               <a:rPr lang="en-US" smtClean="0"/>
-              <a:t>6/7/2022</a:t>
+              <a:t>6/11/2022</a:t>
             </a:fld>
             <a:endParaRPr lang="en-US"/>
           </a:p>
@@ -3387,7 +3391,7 @@
           <a:p>
             <a:fld id="{4193E052-A046-4143-8241-59B58FEA1B20}" type="datetimeFigureOut">
               <a:rPr lang="en-US" smtClean="0"/>
-              <a:t>6/7/2022</a:t>
+              <a:t>6/11/2022</a:t>
             </a:fld>
             <a:endParaRPr lang="en-US"/>
           </a:p>
@@ -3634,7 +3638,7 @@
           <a:p>
             <a:fld id="{4193E052-A046-4143-8241-59B58FEA1B20}" type="datetimeFigureOut">
               <a:rPr lang="en-US" smtClean="0"/>
-              <a:t>6/7/2022</a:t>
+              <a:t>6/11/2022</a:t>
             </a:fld>
             <a:endParaRPr lang="en-US"/>
           </a:p>
@@ -3926,7 +3930,7 @@
           <a:p>
             <a:fld id="{4193E052-A046-4143-8241-59B58FEA1B20}" type="datetimeFigureOut">
               <a:rPr lang="en-US" smtClean="0"/>
-              <a:t>6/7/2022</a:t>
+              <a:t>6/11/2022</a:t>
             </a:fld>
             <a:endParaRPr lang="en-US"/>
           </a:p>
@@ -4370,7 +4374,7 @@
           <a:p>
             <a:fld id="{4193E052-A046-4143-8241-59B58FEA1B20}" type="datetimeFigureOut">
               <a:rPr lang="en-US" smtClean="0"/>
-              <a:t>6/7/2022</a:t>
+              <a:t>6/11/2022</a:t>
             </a:fld>
             <a:endParaRPr lang="en-US"/>
           </a:p>
@@ -4488,7 +4492,7 @@
           <a:p>
             <a:fld id="{4193E052-A046-4143-8241-59B58FEA1B20}" type="datetimeFigureOut">
               <a:rPr lang="en-US" smtClean="0"/>
-              <a:t>6/7/2022</a:t>
+              <a:t>6/11/2022</a:t>
             </a:fld>
             <a:endParaRPr lang="en-US"/>
           </a:p>
@@ -4583,7 +4587,7 @@
           <a:p>
             <a:fld id="{4193E052-A046-4143-8241-59B58FEA1B20}" type="datetimeFigureOut">
               <a:rPr lang="en-US" smtClean="0"/>
-              <a:t>6/7/2022</a:t>
+              <a:t>6/11/2022</a:t>
             </a:fld>
             <a:endParaRPr lang="en-US"/>
           </a:p>
@@ -4862,7 +4866,7 @@
           <a:p>
             <a:fld id="{4193E052-A046-4143-8241-59B58FEA1B20}" type="datetimeFigureOut">
               <a:rPr lang="en-US" smtClean="0"/>
-              <a:t>6/7/2022</a:t>
+              <a:t>6/11/2022</a:t>
             </a:fld>
             <a:endParaRPr lang="en-US"/>
           </a:p>
@@ -5137,7 +5141,7 @@
           <a:p>
             <a:fld id="{4193E052-A046-4143-8241-59B58FEA1B20}" type="datetimeFigureOut">
               <a:rPr lang="en-US" smtClean="0"/>
-              <a:t>6/7/2022</a:t>
+              <a:t>6/11/2022</a:t>
             </a:fld>
             <a:endParaRPr lang="en-US"/>
           </a:p>
@@ -5566,7 +5570,7 @@
           <a:p>
             <a:fld id="{4193E052-A046-4143-8241-59B58FEA1B20}" type="datetimeFigureOut">
               <a:rPr lang="en-US" smtClean="0"/>
-              <a:t>6/7/2022</a:t>
+              <a:t>6/11/2022</a:t>
             </a:fld>
             <a:endParaRPr lang="en-US"/>
           </a:p>
@@ -6471,21 +6475,29 @@
             <a:pPr lvl="1"/>
             <a:r>
               <a:rPr lang="en-US" dirty="0"/>
-              <a:t>Identify &amp; Display the major “Specific” sources of emissions in agriculture &amp; farming sector from data available from 1990 to 2019. (CH4 &amp; N2O)</a:t>
+              <a:t>Extract, Transform &amp; Load the Data which provides major “Specific” sources of emissions in agriculture &amp; farming sector from data available from 1990 to 2019. (CH4 &amp; N2O)</a:t>
             </a:r>
           </a:p>
           <a:p>
             <a:pPr lvl="1"/>
             <a:r>
               <a:rPr lang="en-US" dirty="0"/>
-              <a:t>Identify &amp; Display global GHG emissions to understand the Agricultural &amp; Farming aspect from separate dataset. </a:t>
+              <a:t>Load the correct global GHG emissions </a:t>
+            </a:r>
+            <a:r>
+              <a:rPr lang="en-US" dirty="0" err="1"/>
+              <a:t>DataFrame</a:t>
+            </a:r>
+            <a:r>
+              <a:rPr lang="en-US" dirty="0"/>
+              <a:t> to compare with the Agricultural &amp; Farming aspect from separate dataset. </a:t>
             </a:r>
           </a:p>
           <a:p>
             <a:pPr lvl="1"/>
             <a:r>
               <a:rPr lang="en-US" dirty="0"/>
-              <a:t>Use Global Oil demand as a vague indicator to CO2 emissions for comparison purposes</a:t>
+              <a:t>Use Global Oil demand as a secondary indicator to CO2 emissions for comparison purposes</a:t>
             </a:r>
           </a:p>
         </p:txBody>
@@ -7641,140 +7653,6 @@
     <p:extLst>
       <p:ext uri="{BB962C8B-B14F-4D97-AF65-F5344CB8AC3E}">
         <p14:creationId xmlns:p14="http://schemas.microsoft.com/office/powerpoint/2010/main" val="36055678"/>
-      </p:ext>
-    </p:extLst>
-  </p:cSld>
-  <p:clrMapOvr>
-    <a:masterClrMapping/>
-  </p:clrMapOvr>
-</p:sld>
-</file>
-
-<file path=ppt/slides/slide9.xml><?xml version="1.0" encoding="utf-8"?>
-<p:sld xmlns:a="http://schemas.openxmlformats.org/drawingml/2006/main" xmlns:r="http://schemas.openxmlformats.org/officeDocument/2006/relationships" xmlns:p="http://schemas.openxmlformats.org/presentationml/2006/main">
-  <p:cSld>
-    <p:spTree>
-      <p:nvGrpSpPr>
-        <p:cNvPr id="1" name=""/>
-        <p:cNvGrpSpPr/>
-        <p:nvPr/>
-      </p:nvGrpSpPr>
-      <p:grpSpPr>
-        <a:xfrm>
-          <a:off x="0" y="0"/>
-          <a:ext cx="0" cy="0"/>
-          <a:chOff x="0" y="0"/>
-          <a:chExt cx="0" cy="0"/>
-        </a:xfrm>
-      </p:grpSpPr>
-      <p:sp>
-        <p:nvSpPr>
-          <p:cNvPr id="2" name="Title 1">
-            <a:extLst>
-              <a:ext uri="{FF2B5EF4-FFF2-40B4-BE49-F238E27FC236}">
-                <a16:creationId xmlns:a16="http://schemas.microsoft.com/office/drawing/2014/main" id="{439C56F3-5287-7FDE-FACD-3575791B7A80}"/>
-              </a:ext>
-            </a:extLst>
-          </p:cNvPr>
-          <p:cNvSpPr>
-            <a:spLocks noGrp="1"/>
-          </p:cNvSpPr>
-          <p:nvPr>
-            <p:ph type="title"/>
-          </p:nvPr>
-        </p:nvSpPr>
-        <p:spPr>
-          <a:xfrm>
-            <a:off x="373669" y="43784"/>
-            <a:ext cx="10521101" cy="1400530"/>
-          </a:xfrm>
-        </p:spPr>
-        <p:txBody>
-          <a:bodyPr/>
-          <a:lstStyle/>
-          <a:p>
-            <a:r>
-              <a:rPr lang="en-US" dirty="0"/>
-              <a:t>Project Proposed Tasks / strategy</a:t>
-            </a:r>
-          </a:p>
-        </p:txBody>
-      </p:sp>
-      <p:sp>
-        <p:nvSpPr>
-          <p:cNvPr id="3" name="Content Placeholder 2">
-            <a:extLst>
-              <a:ext uri="{FF2B5EF4-FFF2-40B4-BE49-F238E27FC236}">
-                <a16:creationId xmlns:a16="http://schemas.microsoft.com/office/drawing/2014/main" id="{BA077D0B-3EBF-73C0-31C8-7390B0FB1802}"/>
-              </a:ext>
-            </a:extLst>
-          </p:cNvPr>
-          <p:cNvSpPr>
-            <a:spLocks noGrp="1"/>
-          </p:cNvSpPr>
-          <p:nvPr>
-            <p:ph idx="1"/>
-          </p:nvPr>
-        </p:nvSpPr>
-        <p:spPr>
-          <a:xfrm>
-            <a:off x="94570" y="1084860"/>
-            <a:ext cx="11425608" cy="4833937"/>
-          </a:xfrm>
-        </p:spPr>
-        <p:txBody>
-          <a:bodyPr>
-            <a:normAutofit/>
-          </a:bodyPr>
-          <a:lstStyle/>
-          <a:p>
-            <a:pPr lvl="2"/>
-            <a:r>
-              <a:rPr lang="en-US" sz="1400" dirty="0"/>
-              <a:t>Identify major countries with max GHG emissions (select globally) </a:t>
-            </a:r>
-          </a:p>
-          <a:p>
-            <a:pPr lvl="2"/>
-            <a:r>
-              <a:rPr lang="en-US" sz="1400" dirty="0"/>
-              <a:t>Understand total emissions per year for all sectors </a:t>
-            </a:r>
-          </a:p>
-          <a:p>
-            <a:pPr lvl="2"/>
-            <a:r>
-              <a:rPr lang="en-US" sz="1400" dirty="0"/>
-              <a:t>Work with dataset with Agriculture &amp; farming for those countries and identify total emissions of methane, nitrous oxide and other gases </a:t>
-            </a:r>
-          </a:p>
-          <a:p>
-            <a:pPr lvl="3"/>
-            <a:r>
-              <a:rPr lang="en-US" sz="1200" dirty="0"/>
-              <a:t>Display with graphs (optional – depending on available time)</a:t>
-            </a:r>
-          </a:p>
-          <a:p>
-            <a:pPr lvl="2"/>
-            <a:r>
-              <a:rPr lang="en-US" sz="1400" dirty="0"/>
-              <a:t>Work with oil Demand CSV to generate yearly oil demand got the selected countries. </a:t>
-            </a:r>
-          </a:p>
-          <a:p>
-            <a:pPr lvl="2"/>
-            <a:r>
-              <a:rPr lang="en-US" sz="1400" dirty="0"/>
-              <a:t>Load the data into SQL database – as many tables required depending on find… </a:t>
-            </a:r>
-          </a:p>
-        </p:txBody>
-      </p:sp>
-    </p:spTree>
-    <p:extLst>
-      <p:ext uri="{BB962C8B-B14F-4D97-AF65-F5344CB8AC3E}">
-        <p14:creationId xmlns:p14="http://schemas.microsoft.com/office/powerpoint/2010/main" val="1064045170"/>
       </p:ext>
     </p:extLst>
   </p:cSld>
